--- a/08-Methods-and-Recursion.pptx
+++ b/08-Methods-and-Recursion.pptx
@@ -7352,7 +7352,47 @@
                   </a:schemeClr>
                 </a:solidFill>
               </a:rPr>
-              <a:t>Напишете метод, който при подадено име отпечатва в конзолата "Greeting, &lt;name&gt;!" (Напишете програма, която тества този метод</a:t>
+              <a:t>Напишете метод, който при подадено име отпечатва в конзолата "</a:t>
+            </a:r>
+            <a:r>
+              <a:rPr lang="ru-RU" sz="2400" dirty="0" smtClean="0">
+                <a:solidFill>
+                  <a:schemeClr val="bg1">
+                    <a:lumMod val="95000"/>
+                  </a:schemeClr>
+                </a:solidFill>
+              </a:rPr>
+              <a:t>Greeting</a:t>
+            </a:r>
+            <a:r>
+              <a:rPr lang="en-US" sz="2400" dirty="0" smtClean="0">
+                <a:solidFill>
+                  <a:schemeClr val="bg1">
+                    <a:lumMod val="95000"/>
+                  </a:schemeClr>
+                </a:solidFill>
+              </a:rPr>
+              <a:t>s</a:t>
+            </a:r>
+            <a:r>
+              <a:rPr lang="ru-RU" sz="2400" dirty="0" smtClean="0">
+                <a:solidFill>
+                  <a:schemeClr val="bg1">
+                    <a:lumMod val="95000"/>
+                  </a:schemeClr>
+                </a:solidFill>
+              </a:rPr>
+              <a:t>, </a:t>
+            </a:r>
+            <a:r>
+              <a:rPr lang="ru-RU" sz="2400" dirty="0">
+                <a:solidFill>
+                  <a:schemeClr val="bg1">
+                    <a:lumMod val="95000"/>
+                  </a:schemeClr>
+                </a:solidFill>
+              </a:rPr>
+              <a:t>&lt;name&gt;!" (Напишете програма, която тества този метод</a:t>
             </a:r>
             <a:r>
               <a:rPr lang="ru-RU" sz="2400" dirty="0" smtClean="0">
@@ -7435,17 +7475,7 @@
                   </a:schemeClr>
                 </a:solidFill>
               </a:rPr>
-              <a:t>0 </a:t>
-            </a:r>
-            <a:r>
-              <a:rPr lang="ru-RU" sz="2400" dirty="0" smtClean="0">
-                <a:solidFill>
-                  <a:schemeClr val="bg1">
-                    <a:lumMod val="95000"/>
-                  </a:schemeClr>
-                </a:solidFill>
-              </a:rPr>
-              <a:t>пъти с рандом генерирани параметри. Изведете резултата на екрана</a:t>
+              <a:t>0 пъти с рандом генерирани параметри. Изведете резултата на екрана</a:t>
             </a:r>
           </a:p>
         </p:txBody>
